--- a/DatabaseDesign/DatabaseManagementSystems/Presentation_week37.pptx
+++ b/DatabaseDesign/DatabaseManagementSystems/Presentation_week37.pptx
@@ -9,6 +9,7 @@
     <p:sldId id="257" r:id="rId3"/>
     <p:sldId id="258" r:id="rId4"/>
     <p:sldId id="259" r:id="rId5"/>
+    <p:sldId id="260" r:id="rId6"/>
   </p:sldIdLst>
   <p:sldSz cx="9144000" cy="6858000" type="screen4x3"/>
   <p:notesSz cx="6858000" cy="9144000"/>
@@ -291,6 +292,7 @@
           <a:p>
             <a:fld id="{2B0F17B3-226D-4C8F-A1F6-C2B28954B020}" type="datetimeFigureOut">
               <a:rPr lang="da-DK" smtClean="0"/>
+              <a:pPr/>
               <a:t>12-09-2013</a:t>
             </a:fld>
             <a:endParaRPr lang="da-DK"/>
@@ -333,6 +335,7 @@
           <a:p>
             <a:fld id="{043C44D5-F680-45AD-A0EE-4A5FE5153D37}" type="slidenum">
               <a:rPr lang="da-DK" smtClean="0"/>
+              <a:pPr/>
               <a:t>‹nr.›</a:t>
             </a:fld>
             <a:endParaRPr lang="da-DK"/>
@@ -456,6 +459,7 @@
           <a:p>
             <a:fld id="{2B0F17B3-226D-4C8F-A1F6-C2B28954B020}" type="datetimeFigureOut">
               <a:rPr lang="da-DK" smtClean="0"/>
+              <a:pPr/>
               <a:t>12-09-2013</a:t>
             </a:fld>
             <a:endParaRPr lang="da-DK"/>
@@ -498,6 +502,7 @@
           <a:p>
             <a:fld id="{043C44D5-F680-45AD-A0EE-4A5FE5153D37}" type="slidenum">
               <a:rPr lang="da-DK" smtClean="0"/>
+              <a:pPr/>
               <a:t>‹nr.›</a:t>
             </a:fld>
             <a:endParaRPr lang="da-DK"/>
@@ -631,6 +636,7 @@
           <a:p>
             <a:fld id="{2B0F17B3-226D-4C8F-A1F6-C2B28954B020}" type="datetimeFigureOut">
               <a:rPr lang="da-DK" smtClean="0"/>
+              <a:pPr/>
               <a:t>12-09-2013</a:t>
             </a:fld>
             <a:endParaRPr lang="da-DK"/>
@@ -673,6 +679,7 @@
           <a:p>
             <a:fld id="{043C44D5-F680-45AD-A0EE-4A5FE5153D37}" type="slidenum">
               <a:rPr lang="da-DK" smtClean="0"/>
+              <a:pPr/>
               <a:t>‹nr.›</a:t>
             </a:fld>
             <a:endParaRPr lang="da-DK"/>
@@ -796,6 +803,7 @@
           <a:p>
             <a:fld id="{2B0F17B3-226D-4C8F-A1F6-C2B28954B020}" type="datetimeFigureOut">
               <a:rPr lang="da-DK" smtClean="0"/>
+              <a:pPr/>
               <a:t>12-09-2013</a:t>
             </a:fld>
             <a:endParaRPr lang="da-DK"/>
@@ -838,6 +846,7 @@
           <a:p>
             <a:fld id="{043C44D5-F680-45AD-A0EE-4A5FE5153D37}" type="slidenum">
               <a:rPr lang="da-DK" smtClean="0"/>
+              <a:pPr/>
               <a:t>‹nr.›</a:t>
             </a:fld>
             <a:endParaRPr lang="da-DK"/>
@@ -1037,6 +1046,7 @@
           <a:p>
             <a:fld id="{2B0F17B3-226D-4C8F-A1F6-C2B28954B020}" type="datetimeFigureOut">
               <a:rPr lang="da-DK" smtClean="0"/>
+              <a:pPr/>
               <a:t>12-09-2013</a:t>
             </a:fld>
             <a:endParaRPr lang="da-DK"/>
@@ -1079,6 +1089,7 @@
           <a:p>
             <a:fld id="{043C44D5-F680-45AD-A0EE-4A5FE5153D37}" type="slidenum">
               <a:rPr lang="da-DK" smtClean="0"/>
+              <a:pPr/>
               <a:t>‹nr.›</a:t>
             </a:fld>
             <a:endParaRPr lang="da-DK"/>
@@ -1320,6 +1331,7 @@
           <a:p>
             <a:fld id="{2B0F17B3-226D-4C8F-A1F6-C2B28954B020}" type="datetimeFigureOut">
               <a:rPr lang="da-DK" smtClean="0"/>
+              <a:pPr/>
               <a:t>12-09-2013</a:t>
             </a:fld>
             <a:endParaRPr lang="da-DK"/>
@@ -1362,6 +1374,7 @@
           <a:p>
             <a:fld id="{043C44D5-F680-45AD-A0EE-4A5FE5153D37}" type="slidenum">
               <a:rPr lang="da-DK" smtClean="0"/>
+              <a:pPr/>
               <a:t>‹nr.›</a:t>
             </a:fld>
             <a:endParaRPr lang="da-DK"/>
@@ -1737,6 +1750,7 @@
           <a:p>
             <a:fld id="{2B0F17B3-226D-4C8F-A1F6-C2B28954B020}" type="datetimeFigureOut">
               <a:rPr lang="da-DK" smtClean="0"/>
+              <a:pPr/>
               <a:t>12-09-2013</a:t>
             </a:fld>
             <a:endParaRPr lang="da-DK"/>
@@ -1779,6 +1793,7 @@
           <a:p>
             <a:fld id="{043C44D5-F680-45AD-A0EE-4A5FE5153D37}" type="slidenum">
               <a:rPr lang="da-DK" smtClean="0"/>
+              <a:pPr/>
               <a:t>‹nr.›</a:t>
             </a:fld>
             <a:endParaRPr lang="da-DK"/>
@@ -1850,6 +1865,7 @@
           <a:p>
             <a:fld id="{2B0F17B3-226D-4C8F-A1F6-C2B28954B020}" type="datetimeFigureOut">
               <a:rPr lang="da-DK" smtClean="0"/>
+              <a:pPr/>
               <a:t>12-09-2013</a:t>
             </a:fld>
             <a:endParaRPr lang="da-DK"/>
@@ -1892,6 +1908,7 @@
           <a:p>
             <a:fld id="{043C44D5-F680-45AD-A0EE-4A5FE5153D37}" type="slidenum">
               <a:rPr lang="da-DK" smtClean="0"/>
+              <a:pPr/>
               <a:t>‹nr.›</a:t>
             </a:fld>
             <a:endParaRPr lang="da-DK"/>
@@ -1940,6 +1957,7 @@
           <a:p>
             <a:fld id="{2B0F17B3-226D-4C8F-A1F6-C2B28954B020}" type="datetimeFigureOut">
               <a:rPr lang="da-DK" smtClean="0"/>
+              <a:pPr/>
               <a:t>12-09-2013</a:t>
             </a:fld>
             <a:endParaRPr lang="da-DK"/>
@@ -1982,6 +2000,7 @@
           <a:p>
             <a:fld id="{043C44D5-F680-45AD-A0EE-4A5FE5153D37}" type="slidenum">
               <a:rPr lang="da-DK" smtClean="0"/>
+              <a:pPr/>
               <a:t>‹nr.›</a:t>
             </a:fld>
             <a:endParaRPr lang="da-DK"/>
@@ -2212,6 +2231,7 @@
           <a:p>
             <a:fld id="{2B0F17B3-226D-4C8F-A1F6-C2B28954B020}" type="datetimeFigureOut">
               <a:rPr lang="da-DK" smtClean="0"/>
+              <a:pPr/>
               <a:t>12-09-2013</a:t>
             </a:fld>
             <a:endParaRPr lang="da-DK"/>
@@ -2254,6 +2274,7 @@
           <a:p>
             <a:fld id="{043C44D5-F680-45AD-A0EE-4A5FE5153D37}" type="slidenum">
               <a:rPr lang="da-DK" smtClean="0"/>
+              <a:pPr/>
               <a:t>‹nr.›</a:t>
             </a:fld>
             <a:endParaRPr lang="da-DK"/>
@@ -2460,6 +2481,7 @@
           <a:p>
             <a:fld id="{2B0F17B3-226D-4C8F-A1F6-C2B28954B020}" type="datetimeFigureOut">
               <a:rPr lang="da-DK" smtClean="0"/>
+              <a:pPr/>
               <a:t>12-09-2013</a:t>
             </a:fld>
             <a:endParaRPr lang="da-DK"/>
@@ -2502,6 +2524,7 @@
           <a:p>
             <a:fld id="{043C44D5-F680-45AD-A0EE-4A5FE5153D37}" type="slidenum">
               <a:rPr lang="da-DK" smtClean="0"/>
+              <a:pPr/>
               <a:t>‹nr.›</a:t>
             </a:fld>
             <a:endParaRPr lang="da-DK"/>
@@ -2668,6 +2691,7 @@
           <a:p>
             <a:fld id="{2B0F17B3-226D-4C8F-A1F6-C2B28954B020}" type="datetimeFigureOut">
               <a:rPr lang="da-DK" smtClean="0"/>
+              <a:pPr/>
               <a:t>12-09-2013</a:t>
             </a:fld>
             <a:endParaRPr lang="da-DK"/>
@@ -2746,6 +2770,7 @@
           <a:p>
             <a:fld id="{043C44D5-F680-45AD-A0EE-4A5FE5153D37}" type="slidenum">
               <a:rPr lang="da-DK" smtClean="0"/>
+              <a:pPr/>
               <a:t>‹nr.›</a:t>
             </a:fld>
             <a:endParaRPr lang="da-DK"/>
@@ -3554,6 +3579,140 @@
 </p:sld>
 </file>
 
+<file path=ppt/slides/slide5.xml><?xml version="1.0" encoding="utf-8"?>
+<p:sld xmlns:a="http://schemas.openxmlformats.org/drawingml/2006/main" xmlns:r="http://schemas.openxmlformats.org/officeDocument/2006/relationships" xmlns:p="http://schemas.openxmlformats.org/presentationml/2006/main">
+  <p:cSld>
+    <p:spTree>
+      <p:nvGrpSpPr>
+        <p:cNvPr id="1" name=""/>
+        <p:cNvGrpSpPr/>
+        <p:nvPr/>
+      </p:nvGrpSpPr>
+      <p:grpSpPr>
+        <a:xfrm>
+          <a:off x="0" y="0"/>
+          <a:ext cx="0" cy="0"/>
+          <a:chOff x="0" y="0"/>
+          <a:chExt cx="0" cy="0"/>
+        </a:xfrm>
+      </p:grpSpPr>
+      <p:sp>
+        <p:nvSpPr>
+          <p:cNvPr id="2" name="Titel 1"/>
+          <p:cNvSpPr>
+            <a:spLocks noGrp="1"/>
+          </p:cNvSpPr>
+          <p:nvPr>
+            <p:ph type="title"/>
+          </p:nvPr>
+        </p:nvSpPr>
+        <p:spPr/>
+        <p:txBody>
+          <a:bodyPr/>
+          <a:lstStyle/>
+          <a:p>
+            <a:r>
+              <a:rPr lang="da-DK" dirty="0" err="1" smtClean="0"/>
+              <a:t>Next</a:t>
+            </a:r>
+            <a:r>
+              <a:rPr lang="da-DK" dirty="0" smtClean="0"/>
+              <a:t> step</a:t>
+            </a:r>
+            <a:endParaRPr lang="da-DK" dirty="0"/>
+          </a:p>
+        </p:txBody>
+      </p:sp>
+      <p:sp>
+        <p:nvSpPr>
+          <p:cNvPr id="3" name="Pladsholder til indhold 2"/>
+          <p:cNvSpPr>
+            <a:spLocks noGrp="1"/>
+          </p:cNvSpPr>
+          <p:nvPr>
+            <p:ph idx="1"/>
+          </p:nvPr>
+        </p:nvSpPr>
+        <p:spPr/>
+        <p:txBody>
+          <a:bodyPr/>
+          <a:lstStyle/>
+          <a:p>
+            <a:r>
+              <a:rPr lang="da-DK" dirty="0" err="1" smtClean="0"/>
+              <a:t>Update</a:t>
+            </a:r>
+            <a:r>
+              <a:rPr lang="da-DK" dirty="0" smtClean="0"/>
+              <a:t> </a:t>
+            </a:r>
+            <a:r>
+              <a:rPr lang="da-DK" dirty="0" err="1" smtClean="0"/>
+              <a:t>ER-diagram</a:t>
+            </a:r>
+            <a:endParaRPr lang="da-DK" dirty="0" smtClean="0"/>
+          </a:p>
+          <a:p>
+            <a:r>
+              <a:rPr lang="da-DK" dirty="0" err="1" smtClean="0"/>
+              <a:t>Create</a:t>
+            </a:r>
+            <a:r>
+              <a:rPr lang="da-DK" dirty="0" smtClean="0"/>
+              <a:t> test database</a:t>
+            </a:r>
+          </a:p>
+          <a:p>
+            <a:r>
+              <a:rPr lang="da-DK" dirty="0" err="1" smtClean="0"/>
+              <a:t>Experiment</a:t>
+            </a:r>
+            <a:r>
+              <a:rPr lang="da-DK" dirty="0" smtClean="0"/>
+              <a:t> </a:t>
+            </a:r>
+            <a:r>
+              <a:rPr lang="da-DK" dirty="0" err="1" smtClean="0"/>
+              <a:t>with</a:t>
+            </a:r>
+            <a:r>
+              <a:rPr lang="da-DK" dirty="0" smtClean="0"/>
+              <a:t> RLS</a:t>
+            </a:r>
+          </a:p>
+          <a:p>
+            <a:r>
+              <a:rPr lang="da-DK" dirty="0" err="1" smtClean="0"/>
+              <a:t>Create</a:t>
+            </a:r>
+            <a:r>
+              <a:rPr lang="da-DK" dirty="0" smtClean="0"/>
+              <a:t> </a:t>
+            </a:r>
+            <a:r>
+              <a:rPr lang="da-DK" dirty="0" err="1" smtClean="0"/>
+              <a:t>views</a:t>
+            </a:r>
+            <a:r>
+              <a:rPr lang="da-DK" dirty="0" smtClean="0"/>
+              <a:t> and </a:t>
+            </a:r>
+            <a:r>
+              <a:rPr lang="da-DK" dirty="0" err="1" smtClean="0"/>
+              <a:t>queries</a:t>
+            </a:r>
+            <a:endParaRPr lang="da-DK" dirty="0"/>
+          </a:p>
+        </p:txBody>
+      </p:sp>
+    </p:spTree>
+  </p:cSld>
+  <p:clrMapOvr>
+    <a:masterClrMapping/>
+  </p:clrMapOvr>
+</p:sld>
+</file>
+
 <file path=ppt/theme/theme1.xml><?xml version="1.0" encoding="utf-8"?>
 <a:theme xmlns:a="http://schemas.openxmlformats.org/drawingml/2006/main" name="Kontortema">
   <a:themeElements>
